--- a/01 Node.js -Overview.pptx
+++ b/01 Node.js -Overview.pptx
@@ -5,7 +5,7 @@
     <p:sldMasterId id="2147483653" r:id="rId1"/>
   </p:sldMasterIdLst>
   <p:notesMasterIdLst>
-    <p:notesMasterId r:id="rId13"/>
+    <p:notesMasterId r:id="rId14"/>
   </p:notesMasterIdLst>
   <p:sldIdLst>
     <p:sldId id="256" r:id="rId2"/>
@@ -18,21 +18,22 @@
     <p:sldId id="300" r:id="rId9"/>
     <p:sldId id="301" r:id="rId10"/>
     <p:sldId id="304" r:id="rId11"/>
-    <p:sldId id="305" r:id="rId12"/>
+    <p:sldId id="306" r:id="rId12"/>
+    <p:sldId id="305" r:id="rId13"/>
   </p:sldIdLst>
   <p:sldSz cx="9144000" cy="6858000" type="screen4x3"/>
   <p:notesSz cx="9144000" cy="6858000"/>
   <p:embeddedFontLst>
-    <p:embeddedFont>
-      <p:font typeface="Questrial" panose="020B0604020202020204" charset="0"/>
-      <p:regular r:id="rId14"/>
-    </p:embeddedFont>
     <p:embeddedFont>
       <p:font typeface="Calibri" panose="020F0502020204030204" pitchFamily="34" charset="0"/>
       <p:regular r:id="rId15"/>
       <p:bold r:id="rId16"/>
       <p:italic r:id="rId17"/>
       <p:boldItalic r:id="rId18"/>
+    </p:embeddedFont>
+    <p:embeddedFont>
+      <p:font typeface="Questrial" panose="020B0604020202020204" charset="0"/>
+      <p:regular r:id="rId19"/>
     </p:embeddedFont>
   </p:embeddedFontLst>
   <p:defaultTextStyle>
@@ -746,6 +747,116 @@
 </file>
 
 <file path=ppt/notesSlides/notesSlide11.xml><?xml version="1.0" encoding="utf-8"?>
+<p:notes xmlns:a="http://schemas.openxmlformats.org/drawingml/2006/main" xmlns:r="http://schemas.openxmlformats.org/officeDocument/2006/relationships" xmlns:p="http://schemas.openxmlformats.org/presentationml/2006/main" showMasterSp="0" showMasterPhAnim="0">
+  <p:cSld>
+    <p:spTree>
+      <p:nvGrpSpPr>
+        <p:cNvPr id="1" name="Shape 77"/>
+        <p:cNvGrpSpPr/>
+        <p:nvPr/>
+      </p:nvGrpSpPr>
+      <p:grpSpPr>
+        <a:xfrm>
+          <a:off x="0" y="0"/>
+          <a:ext cx="0" cy="0"/>
+          <a:chOff x="0" y="0"/>
+          <a:chExt cx="0" cy="0"/>
+        </a:xfrm>
+      </p:grpSpPr>
+      <p:sp>
+        <p:nvSpPr>
+          <p:cNvPr id="78" name="Shape 78"/>
+          <p:cNvSpPr txBox="1">
+            <a:spLocks noGrp="1"/>
+          </p:cNvSpPr>
+          <p:nvPr>
+            <p:ph type="body" idx="1"/>
+          </p:nvPr>
+        </p:nvSpPr>
+        <p:spPr>
+          <a:xfrm>
+            <a:off x="914400" y="3257550"/>
+            <a:ext cx="7315200" cy="3086100"/>
+          </a:xfrm>
+          <a:prstGeom prst="rect">
+            <a:avLst/>
+          </a:prstGeom>
+          <a:noFill/>
+          <a:ln>
+            <a:noFill/>
+          </a:ln>
+        </p:spPr>
+        <p:txBody>
+          <a:bodyPr wrap="square" lIns="91425" tIns="91425" rIns="91425" bIns="91425" anchor="ctr" anchorCtr="0">
+            <a:noAutofit/>
+          </a:bodyPr>
+          <a:lstStyle/>
+          <a:p>
+            <a:pPr lvl="0">
+              <a:spcBef>
+                <a:spcPts val="0"/>
+              </a:spcBef>
+              <a:buNone/>
+            </a:pPr>
+            <a:endParaRPr/>
+          </a:p>
+        </p:txBody>
+      </p:sp>
+      <p:sp>
+        <p:nvSpPr>
+          <p:cNvPr id="79" name="Shape 79"/>
+          <p:cNvSpPr>
+            <a:spLocks noGrp="1" noRot="1" noChangeAspect="1"/>
+          </p:cNvSpPr>
+          <p:nvPr>
+            <p:ph type="sldImg" idx="2"/>
+          </p:nvPr>
+        </p:nvSpPr>
+        <p:spPr>
+          <a:xfrm>
+            <a:off x="2857500" y="514350"/>
+            <a:ext cx="3429000" cy="2571750"/>
+          </a:xfrm>
+          <a:custGeom>
+            <a:avLst/>
+            <a:gdLst/>
+            <a:ahLst/>
+            <a:cxnLst/>
+            <a:rect l="0" t="0" r="0" b="0"/>
+            <a:pathLst>
+              <a:path w="120000" h="120000" extrusionOk="0">
+                <a:moveTo>
+                  <a:pt x="0" y="0"/>
+                </a:moveTo>
+                <a:lnTo>
+                  <a:pt x="120000" y="0"/>
+                </a:lnTo>
+                <a:lnTo>
+                  <a:pt x="120000" y="120000"/>
+                </a:lnTo>
+                <a:lnTo>
+                  <a:pt x="0" y="120000"/>
+                </a:lnTo>
+                <a:close/>
+              </a:path>
+            </a:pathLst>
+          </a:custGeom>
+        </p:spPr>
+      </p:sp>
+    </p:spTree>
+    <p:extLst>
+      <p:ext uri="{BB962C8B-B14F-4D97-AF65-F5344CB8AC3E}">
+        <p14:creationId xmlns:p14="http://schemas.microsoft.com/office/powerpoint/2010/main" val="763018234"/>
+      </p:ext>
+    </p:extLst>
+  </p:cSld>
+  <p:clrMapOvr>
+    <a:masterClrMapping/>
+  </p:clrMapOvr>
+</p:notes>
+</file>
+
+<file path=ppt/notesSlides/notesSlide12.xml><?xml version="1.0" encoding="utf-8"?>
 <p:notes xmlns:a="http://schemas.openxmlformats.org/drawingml/2006/main" xmlns:r="http://schemas.openxmlformats.org/officeDocument/2006/relationships" xmlns:p="http://schemas.openxmlformats.org/presentationml/2006/main" showMasterSp="0" showMasterPhAnim="0">
   <p:cSld>
     <p:spTree>
@@ -6029,8 +6140,8 @@
         </p:nvSpPr>
         <p:spPr>
           <a:xfrm>
-            <a:off x="1817828" y="2854752"/>
-            <a:ext cx="5361568" cy="680700"/>
+            <a:off x="1555283" y="2854752"/>
+            <a:ext cx="6067740" cy="680700"/>
           </a:xfrm>
           <a:prstGeom prst="rect">
             <a:avLst/>
@@ -6059,7 +6170,19 @@
                 <a:cs typeface="Questrial"/>
                 <a:sym typeface="Questrial"/>
               </a:rPr>
-              <a:t>Getting started</a:t>
+              <a:t>Node.js -Getting </a:t>
+            </a:r>
+            <a:r>
+              <a:rPr lang="en-US" sz="4300" dirty="0" smtClean="0">
+                <a:solidFill>
+                  <a:srgbClr val="EBDDC3"/>
+                </a:solidFill>
+                <a:latin typeface="Questrial"/>
+                <a:ea typeface="Questrial"/>
+                <a:cs typeface="Questrial"/>
+                <a:sym typeface="Questrial"/>
+              </a:rPr>
+              <a:t>started</a:t>
             </a:r>
             <a:endParaRPr lang="en-US" sz="4300" dirty="0">
               <a:solidFill>
@@ -8437,6 +8560,44 @@
           </a:bodyPr>
           <a:lstStyle/>
           <a:p>
+            <a:pPr marL="332740" indent="-320040">
+              <a:buClr>
+                <a:srgbClr val="DD8046"/>
+              </a:buClr>
+              <a:buSzPct val="60344"/>
+              <a:buFont typeface="Arial"/>
+              <a:buChar char=""/>
+            </a:pPr>
+            <a:r>
+              <a:rPr lang="en-US" sz="2600" dirty="0">
+                <a:latin typeface="Questrial" panose="020B0604020202020204" charset="0"/>
+              </a:rPr>
+              <a:t>Node Version Manager</a:t>
+            </a:r>
+          </a:p>
+          <a:p>
+            <a:pPr marL="652780" lvl="2" indent="-284480">
+              <a:spcBef>
+                <a:spcPts val="625"/>
+              </a:spcBef>
+              <a:buClr>
+                <a:srgbClr val="93B6D2"/>
+              </a:buClr>
+              <a:buSzPct val="69230"/>
+              <a:buFont typeface="Noto Sans Symbols"/>
+              <a:buChar char="⬜"/>
+            </a:pPr>
+            <a:r>
+              <a:rPr lang="en-US" sz="2300" dirty="0" err="1" smtClean="0">
+                <a:latin typeface="Questrial" panose="020B0604020202020204" charset="0"/>
+              </a:rPr>
+              <a:t>Webstorm</a:t>
+            </a:r>
+            <a:endParaRPr lang="en-US" sz="2600" dirty="0" smtClean="0">
+              <a:latin typeface="Questrial" panose="020B0604020202020204" charset="0"/>
+            </a:endParaRPr>
+          </a:p>
+          <a:p>
             <a:pPr marL="332740" lvl="0" indent="-320040">
               <a:buClr>
                 <a:srgbClr val="DD8046"/>
@@ -8449,8 +8610,29 @@
               <a:rPr lang="en-US" sz="2600" dirty="0" smtClean="0">
                 <a:latin typeface="Questrial" panose="020B0604020202020204" charset="0"/>
               </a:rPr>
-              <a:t>Node Version Manager</a:t>
-            </a:r>
+              <a:t>No </a:t>
+            </a:r>
+            <a:r>
+              <a:rPr lang="en-US" sz="2600" dirty="0">
+                <a:latin typeface="Questrial" panose="020B0604020202020204" charset="0"/>
+              </a:rPr>
+              <a:t>need to manually </a:t>
+            </a:r>
+            <a:r>
+              <a:rPr lang="en-US" sz="2600" dirty="0" smtClean="0">
+                <a:latin typeface="Questrial" panose="020B0604020202020204" charset="0"/>
+              </a:rPr>
+              <a:t>install/uninstall </a:t>
+            </a:r>
+            <a:r>
+              <a:rPr lang="en-US" sz="2600" dirty="0">
+                <a:latin typeface="Questrial" panose="020B0604020202020204" charset="0"/>
+              </a:rPr>
+              <a:t>versions</a:t>
+            </a:r>
+            <a:endParaRPr lang="en-US" sz="2600" dirty="0" smtClean="0">
+              <a:latin typeface="Questrial" panose="020B0604020202020204" charset="0"/>
+            </a:endParaRPr>
           </a:p>
           <a:p>
             <a:pPr marL="332740" lvl="0" indent="-320040">
@@ -8465,29 +8647,14 @@
               <a:rPr lang="en-US" sz="2600" dirty="0" smtClean="0">
                 <a:latin typeface="Questrial" panose="020B0604020202020204" charset="0"/>
               </a:rPr>
-              <a:t>No </a:t>
-            </a:r>
-            <a:r>
-              <a:rPr lang="en-US" sz="2600" dirty="0">
-                <a:latin typeface="Questrial" panose="020B0604020202020204" charset="0"/>
-              </a:rPr>
-              <a:t>need to manually </a:t>
+              <a:t>Install and switch between Node </a:t>
             </a:r>
             <a:r>
               <a:rPr lang="en-US" sz="2600" dirty="0" smtClean="0">
                 <a:latin typeface="Questrial" panose="020B0604020202020204" charset="0"/>
               </a:rPr>
-              <a:t>install/uninstall </a:t>
-            </a:r>
-            <a:r>
-              <a:rPr lang="en-US" sz="2600" dirty="0">
-                <a:latin typeface="Questrial" panose="020B0604020202020204" charset="0"/>
-              </a:rPr>
               <a:t>versions</a:t>
             </a:r>
-            <a:endParaRPr lang="en-US" sz="2600" dirty="0" smtClean="0">
-              <a:latin typeface="Questrial" panose="020B0604020202020204" charset="0"/>
-            </a:endParaRPr>
           </a:p>
           <a:p>
             <a:pPr marL="332740" lvl="0" indent="-320040">
@@ -8502,8 +8669,11 @@
               <a:rPr lang="en-US" sz="2600" dirty="0" smtClean="0">
                 <a:latin typeface="Questrial" panose="020B0604020202020204" charset="0"/>
               </a:rPr>
-              <a:t>Install and switch between Node versions</a:t>
-            </a:r>
+              <a:t>Windows NVM is a totally different app </a:t>
+            </a:r>
+            <a:endParaRPr lang="en-US" sz="2600" dirty="0" smtClean="0">
+              <a:latin typeface="Questrial" panose="020B0604020202020204" charset="0"/>
+            </a:endParaRPr>
           </a:p>
           <a:p>
             <a:pPr marL="332740" lvl="0" indent="-320040">
@@ -8713,7 +8883,7 @@
             </a:pPr>
             <a:r>
               <a:rPr lang="en-US" sz="3800" dirty="0" smtClean="0"/>
-              <a:t>IDEs</a:t>
+              <a:t>Debugging</a:t>
             </a:r>
             <a:r>
               <a:rPr lang="en-US" sz="4000" dirty="0"/>
@@ -8784,6 +8954,438 @@
                 <a:sym typeface="Questrial"/>
               </a:rPr>
               <a:t>11</a:t>
+            </a:fld>
+            <a:endParaRPr lang="en-US" sz="1400" b="1" i="0">
+              <a:solidFill>
+                <a:srgbClr val="775F54"/>
+              </a:solidFill>
+              <a:latin typeface="Questrial"/>
+              <a:ea typeface="Questrial"/>
+              <a:cs typeface="Questrial"/>
+              <a:sym typeface="Questrial"/>
+            </a:endParaRPr>
+          </a:p>
+        </p:txBody>
+      </p:sp>
+      <p:sp>
+        <p:nvSpPr>
+          <p:cNvPr id="83" name="Shape 83"/>
+          <p:cNvSpPr txBox="1"/>
+          <p:nvPr/>
+        </p:nvSpPr>
+        <p:spPr>
+          <a:xfrm>
+            <a:off x="691385" y="1524735"/>
+            <a:ext cx="8020813" cy="4944521"/>
+          </a:xfrm>
+          <a:prstGeom prst="rect">
+            <a:avLst/>
+          </a:prstGeom>
+          <a:noFill/>
+          <a:ln>
+            <a:noFill/>
+          </a:ln>
+        </p:spPr>
+        <p:txBody>
+          <a:bodyPr wrap="square" lIns="0" tIns="100950" rIns="0" bIns="0" anchor="t" anchorCtr="0">
+            <a:noAutofit/>
+          </a:bodyPr>
+          <a:lstStyle/>
+          <a:p>
+            <a:pPr marL="332740" indent="-320040">
+              <a:buClr>
+                <a:srgbClr val="DD8046"/>
+              </a:buClr>
+              <a:buSzPct val="60344"/>
+              <a:buFont typeface="Arial"/>
+              <a:buChar char=""/>
+            </a:pPr>
+            <a:r>
+              <a:rPr lang="en-US" sz="2600" dirty="0">
+                <a:latin typeface="Questrial" panose="020B0604020202020204" charset="0"/>
+              </a:rPr>
+              <a:t>Node Version Manager</a:t>
+            </a:r>
+          </a:p>
+          <a:p>
+            <a:pPr marL="652780" lvl="2" indent="-284480">
+              <a:spcBef>
+                <a:spcPts val="625"/>
+              </a:spcBef>
+              <a:buClr>
+                <a:srgbClr val="93B6D2"/>
+              </a:buClr>
+              <a:buSzPct val="69230"/>
+              <a:buFont typeface="Noto Sans Symbols"/>
+              <a:buChar char="⬜"/>
+            </a:pPr>
+            <a:r>
+              <a:rPr lang="en-US" sz="2300" dirty="0" err="1" smtClean="0">
+                <a:latin typeface="Questrial" panose="020B0604020202020204" charset="0"/>
+              </a:rPr>
+              <a:t>Webstorm</a:t>
+            </a:r>
+            <a:endParaRPr lang="en-US" sz="2600" dirty="0" smtClean="0">
+              <a:latin typeface="Questrial" panose="020B0604020202020204" charset="0"/>
+            </a:endParaRPr>
+          </a:p>
+          <a:p>
+            <a:pPr marL="332740" lvl="0" indent="-320040">
+              <a:buClr>
+                <a:srgbClr val="DD8046"/>
+              </a:buClr>
+              <a:buSzPct val="60344"/>
+              <a:buFont typeface="Arial"/>
+              <a:buChar char=""/>
+            </a:pPr>
+            <a:r>
+              <a:rPr lang="en-US" sz="2600" dirty="0" smtClean="0">
+                <a:latin typeface="Questrial" panose="020B0604020202020204" charset="0"/>
+              </a:rPr>
+              <a:t>No </a:t>
+            </a:r>
+            <a:r>
+              <a:rPr lang="en-US" sz="2600" dirty="0">
+                <a:latin typeface="Questrial" panose="020B0604020202020204" charset="0"/>
+              </a:rPr>
+              <a:t>need to manually </a:t>
+            </a:r>
+            <a:r>
+              <a:rPr lang="en-US" sz="2600" dirty="0" smtClean="0">
+                <a:latin typeface="Questrial" panose="020B0604020202020204" charset="0"/>
+              </a:rPr>
+              <a:t>install/uninstall </a:t>
+            </a:r>
+            <a:r>
+              <a:rPr lang="en-US" sz="2600" dirty="0">
+                <a:latin typeface="Questrial" panose="020B0604020202020204" charset="0"/>
+              </a:rPr>
+              <a:t>versions</a:t>
+            </a:r>
+            <a:endParaRPr lang="en-US" sz="2600" dirty="0" smtClean="0">
+              <a:latin typeface="Questrial" panose="020B0604020202020204" charset="0"/>
+            </a:endParaRPr>
+          </a:p>
+          <a:p>
+            <a:pPr marL="332740" lvl="0" indent="-320040">
+              <a:buClr>
+                <a:srgbClr val="DD8046"/>
+              </a:buClr>
+              <a:buSzPct val="60344"/>
+              <a:buFont typeface="Arial"/>
+              <a:buChar char=""/>
+            </a:pPr>
+            <a:r>
+              <a:rPr lang="en-US" sz="2600" dirty="0" smtClean="0">
+                <a:latin typeface="Questrial" panose="020B0604020202020204" charset="0"/>
+              </a:rPr>
+              <a:t>Install and switch between Node </a:t>
+            </a:r>
+            <a:r>
+              <a:rPr lang="en-US" sz="2600" dirty="0" smtClean="0">
+                <a:latin typeface="Questrial" panose="020B0604020202020204" charset="0"/>
+              </a:rPr>
+              <a:t>versions</a:t>
+            </a:r>
+          </a:p>
+          <a:p>
+            <a:pPr marL="332740" lvl="0" indent="-320040">
+              <a:buClr>
+                <a:srgbClr val="DD8046"/>
+              </a:buClr>
+              <a:buSzPct val="60344"/>
+              <a:buFont typeface="Arial"/>
+              <a:buChar char=""/>
+            </a:pPr>
+            <a:r>
+              <a:rPr lang="en-US" sz="2600" dirty="0" smtClean="0">
+                <a:latin typeface="Questrial" panose="020B0604020202020204" charset="0"/>
+              </a:rPr>
+              <a:t>Windows NVM is a totally different app </a:t>
+            </a:r>
+            <a:endParaRPr lang="en-US" sz="2600" dirty="0" smtClean="0">
+              <a:latin typeface="Questrial" panose="020B0604020202020204" charset="0"/>
+            </a:endParaRPr>
+          </a:p>
+          <a:p>
+            <a:pPr marL="332740" lvl="0" indent="-320040">
+              <a:buClr>
+                <a:srgbClr val="DD8046"/>
+              </a:buClr>
+              <a:buSzPct val="60344"/>
+              <a:buFont typeface="Arial"/>
+              <a:buChar char=""/>
+            </a:pPr>
+            <a:endParaRPr lang="en-US" sz="2600" dirty="0" smtClean="0">
+              <a:latin typeface="Questrial" panose="020B0604020202020204" charset="0"/>
+            </a:endParaRPr>
+          </a:p>
+          <a:p>
+            <a:pPr marL="332740" lvl="0" indent="-320040">
+              <a:buClr>
+                <a:srgbClr val="DD8046"/>
+              </a:buClr>
+              <a:buSzPct val="60344"/>
+              <a:buFont typeface="Arial"/>
+              <a:buChar char=""/>
+            </a:pPr>
+            <a:endParaRPr lang="en-US" sz="2600" dirty="0" smtClean="0">
+              <a:latin typeface="Questrial" panose="020B0604020202020204" charset="0"/>
+            </a:endParaRPr>
+          </a:p>
+        </p:txBody>
+      </p:sp>
+      <p:sp>
+        <p:nvSpPr>
+          <p:cNvPr id="84" name="Shape 84"/>
+          <p:cNvSpPr txBox="1"/>
+          <p:nvPr/>
+        </p:nvSpPr>
+        <p:spPr>
+          <a:xfrm>
+            <a:off x="168195" y="1275243"/>
+            <a:ext cx="193945" cy="249492"/>
+          </a:xfrm>
+          <a:prstGeom prst="rect">
+            <a:avLst/>
+          </a:prstGeom>
+          <a:noFill/>
+          <a:ln>
+            <a:noFill/>
+          </a:ln>
+        </p:spPr>
+        <p:txBody>
+          <a:bodyPr wrap="square" lIns="0" tIns="12700" rIns="0" bIns="0" anchor="t" anchorCtr="0">
+            <a:noAutofit/>
+          </a:bodyPr>
+          <a:lstStyle/>
+          <a:p>
+            <a:pPr marL="12700" marR="0" lvl="0" indent="0" algn="l" rtl="0">
+              <a:lnSpc>
+                <a:spcPct val="100000"/>
+              </a:lnSpc>
+              <a:spcBef>
+                <a:spcPts val="0"/>
+              </a:spcBef>
+              <a:buSzPct val="25000"/>
+              <a:buNone/>
+            </a:pPr>
+            <a:r>
+              <a:rPr lang="en-US" sz="1200" b="1" dirty="0" smtClean="0">
+                <a:solidFill>
+                  <a:srgbClr val="FFFFFF"/>
+                </a:solidFill>
+                <a:latin typeface="Questrial"/>
+                <a:ea typeface="Questrial"/>
+                <a:cs typeface="Questrial"/>
+                <a:sym typeface="Questrial"/>
+              </a:rPr>
+              <a:t>10</a:t>
+            </a:r>
+            <a:endParaRPr lang="en-US" sz="1200" b="1" dirty="0">
+              <a:solidFill>
+                <a:srgbClr val="FFFFFF"/>
+              </a:solidFill>
+              <a:latin typeface="Questrial"/>
+              <a:ea typeface="Questrial"/>
+              <a:cs typeface="Questrial"/>
+              <a:sym typeface="Questrial"/>
+            </a:endParaRPr>
+          </a:p>
+        </p:txBody>
+      </p:sp>
+      <p:sp>
+        <p:nvSpPr>
+          <p:cNvPr id="85" name="Shape 85"/>
+          <p:cNvSpPr txBox="1"/>
+          <p:nvPr/>
+        </p:nvSpPr>
+        <p:spPr>
+          <a:xfrm>
+            <a:off x="7679817" y="52577"/>
+            <a:ext cx="1344900" cy="239400"/>
+          </a:xfrm>
+          <a:prstGeom prst="rect">
+            <a:avLst/>
+          </a:prstGeom>
+          <a:noFill/>
+          <a:ln>
+            <a:noFill/>
+          </a:ln>
+        </p:spPr>
+        <p:txBody>
+          <a:bodyPr wrap="square" lIns="0" tIns="12700" rIns="0" bIns="0" anchor="t" anchorCtr="0">
+            <a:noAutofit/>
+          </a:bodyPr>
+          <a:lstStyle/>
+          <a:p>
+            <a:pPr marL="12700" marR="0" lvl="0" indent="0" algn="l" rtl="0">
+              <a:lnSpc>
+                <a:spcPct val="100000"/>
+              </a:lnSpc>
+              <a:spcBef>
+                <a:spcPts val="0"/>
+              </a:spcBef>
+              <a:buSzPct val="25000"/>
+              <a:buNone/>
+            </a:pPr>
+            <a:r>
+              <a:rPr lang="en-US" sz="1400">
+                <a:solidFill>
+                  <a:srgbClr val="775F54"/>
+                </a:solidFill>
+                <a:latin typeface="Questrial"/>
+                <a:ea typeface="Questrial"/>
+                <a:cs typeface="Questrial"/>
+                <a:sym typeface="Questrial"/>
+              </a:rPr>
+              <a:t>© 2017 Ori Calvo</a:t>
+            </a:r>
+          </a:p>
+        </p:txBody>
+      </p:sp>
+    </p:spTree>
+    <p:extLst>
+      <p:ext uri="{BB962C8B-B14F-4D97-AF65-F5344CB8AC3E}">
+        <p14:creationId xmlns:p14="http://schemas.microsoft.com/office/powerpoint/2010/main" val="398722049"/>
+      </p:ext>
+    </p:extLst>
+  </p:cSld>
+  <p:clrMapOvr>
+    <a:masterClrMapping/>
+  </p:clrMapOvr>
+  <p:timing>
+    <p:tnLst>
+      <p:par>
+        <p:cTn id="1" dur="indefinite" restart="never" nodeType="tmRoot"/>
+      </p:par>
+    </p:tnLst>
+  </p:timing>
+</p:sld>
+</file>
+
+<file path=ppt/slides/slide12.xml><?xml version="1.0" encoding="utf-8"?>
+<p:sld xmlns:a="http://schemas.openxmlformats.org/drawingml/2006/main" xmlns:r="http://schemas.openxmlformats.org/officeDocument/2006/relationships" xmlns:p="http://schemas.openxmlformats.org/presentationml/2006/main">
+  <p:cSld>
+    <p:spTree>
+      <p:nvGrpSpPr>
+        <p:cNvPr id="1" name="Shape 80"/>
+        <p:cNvGrpSpPr/>
+        <p:nvPr/>
+      </p:nvGrpSpPr>
+      <p:grpSpPr>
+        <a:xfrm>
+          <a:off x="0" y="0"/>
+          <a:ext cx="0" cy="0"/>
+          <a:chOff x="0" y="0"/>
+          <a:chExt cx="0" cy="0"/>
+        </a:xfrm>
+      </p:grpSpPr>
+      <p:sp>
+        <p:nvSpPr>
+          <p:cNvPr id="81" name="Shape 81"/>
+          <p:cNvSpPr txBox="1">
+            <a:spLocks noGrp="1"/>
+          </p:cNvSpPr>
+          <p:nvPr>
+            <p:ph type="title"/>
+          </p:nvPr>
+        </p:nvSpPr>
+        <p:spPr>
+          <a:xfrm>
+            <a:off x="691371" y="344175"/>
+            <a:ext cx="3726719" cy="696600"/>
+          </a:xfrm>
+          <a:prstGeom prst="rect">
+            <a:avLst/>
+          </a:prstGeom>
+          <a:noFill/>
+          <a:ln>
+            <a:noFill/>
+          </a:ln>
+        </p:spPr>
+        <p:txBody>
+          <a:bodyPr wrap="square" lIns="0" tIns="12700" rIns="0" bIns="0" anchor="t" anchorCtr="0">
+            <a:noAutofit/>
+          </a:bodyPr>
+          <a:lstStyle/>
+          <a:p>
+            <a:pPr marL="12700">
+              <a:buSzPct val="25000"/>
+            </a:pPr>
+            <a:r>
+              <a:rPr lang="en-US" sz="3800" dirty="0" smtClean="0"/>
+              <a:t>IDEs</a:t>
+            </a:r>
+            <a:r>
+              <a:rPr lang="en-US" sz="4000" dirty="0"/>
+              <a:t/>
+            </a:r>
+            <a:br>
+              <a:rPr lang="en-US" sz="4000" dirty="0"/>
+            </a:br>
+            <a:endParaRPr lang="en-US" sz="3800" b="0" i="0" u="none" strike="noStrike" cap="none" dirty="0">
+              <a:solidFill>
+                <a:srgbClr val="775F54"/>
+              </a:solidFill>
+              <a:latin typeface="Questrial"/>
+              <a:ea typeface="Questrial"/>
+              <a:cs typeface="Questrial"/>
+              <a:sym typeface="Questrial"/>
+            </a:endParaRPr>
+          </a:p>
+        </p:txBody>
+      </p:sp>
+      <p:sp>
+        <p:nvSpPr>
+          <p:cNvPr id="82" name="Shape 82"/>
+          <p:cNvSpPr txBox="1">
+            <a:spLocks noGrp="1"/>
+          </p:cNvSpPr>
+          <p:nvPr>
+            <p:ph type="sldNum" idx="12"/>
+          </p:nvPr>
+        </p:nvSpPr>
+        <p:spPr>
+          <a:xfrm>
+            <a:off x="8472169" y="6469257"/>
+            <a:ext cx="240029" cy="219709"/>
+          </a:xfrm>
+          <a:prstGeom prst="rect">
+            <a:avLst/>
+          </a:prstGeom>
+          <a:noFill/>
+          <a:ln>
+            <a:noFill/>
+          </a:ln>
+        </p:spPr>
+        <p:txBody>
+          <a:bodyPr wrap="square" lIns="0" tIns="0" rIns="0" bIns="0" anchor="t" anchorCtr="0">
+            <a:noAutofit/>
+          </a:bodyPr>
+          <a:lstStyle/>
+          <a:p>
+            <a:pPr marL="25400" marR="0" lvl="0" indent="0" algn="l" rtl="0">
+              <a:lnSpc>
+                <a:spcPct val="112857"/>
+              </a:lnSpc>
+              <a:spcBef>
+                <a:spcPts val="0"/>
+              </a:spcBef>
+              <a:buSzPct val="25000"/>
+              <a:buNone/>
+            </a:pPr>
+            <a:fld id="{00000000-1234-1234-1234-123412341234}" type="slidenum">
+              <a:rPr lang="en-US" sz="1400" b="1" i="0">
+                <a:solidFill>
+                  <a:srgbClr val="775F54"/>
+                </a:solidFill>
+                <a:latin typeface="Questrial"/>
+                <a:ea typeface="Questrial"/>
+                <a:cs typeface="Questrial"/>
+                <a:sym typeface="Questrial"/>
+              </a:rPr>
+              <a:t>12</a:t>
             </a:fld>
             <a:endParaRPr lang="en-US" sz="1400" b="1" i="0">
               <a:solidFill>
